--- a/gilbert/images/scalarMatrixTransformation.pptx
+++ b/gilbert/images/scalarMatrixTransformation.pptx
@@ -289,7 +289,7 @@
             <a:fld id="{CD66EB5A-4F37-441C-A97C-356D4BF20A1B}" type="datetimeFigureOut">
               <a:rPr lang="de-DE" smtClean="0"/>
               <a:pPr/>
-              <a:t>09/06/14</a:t>
+              <a:t>17/07/14</a:t>
             </a:fld>
             <a:endParaRPr lang="de-DE"/>
           </a:p>
@@ -456,7 +456,7 @@
             <a:fld id="{CD66EB5A-4F37-441C-A97C-356D4BF20A1B}" type="datetimeFigureOut">
               <a:rPr lang="de-DE" smtClean="0"/>
               <a:pPr/>
-              <a:t>09/06/14</a:t>
+              <a:t>17/07/14</a:t>
             </a:fld>
             <a:endParaRPr lang="de-DE"/>
           </a:p>
@@ -633,7 +633,7 @@
             <a:fld id="{CD66EB5A-4F37-441C-A97C-356D4BF20A1B}" type="datetimeFigureOut">
               <a:rPr lang="de-DE" smtClean="0"/>
               <a:pPr/>
-              <a:t>09/06/14</a:t>
+              <a:t>17/07/14</a:t>
             </a:fld>
             <a:endParaRPr lang="de-DE"/>
           </a:p>
@@ -800,7 +800,7 @@
             <a:fld id="{CD66EB5A-4F37-441C-A97C-356D4BF20A1B}" type="datetimeFigureOut">
               <a:rPr lang="de-DE" smtClean="0"/>
               <a:pPr/>
-              <a:t>09/06/14</a:t>
+              <a:t>17/07/14</a:t>
             </a:fld>
             <a:endParaRPr lang="de-DE"/>
           </a:p>
@@ -1043,7 +1043,7 @@
             <a:fld id="{CD66EB5A-4F37-441C-A97C-356D4BF20A1B}" type="datetimeFigureOut">
               <a:rPr lang="de-DE" smtClean="0"/>
               <a:pPr/>
-              <a:t>09/06/14</a:t>
+              <a:t>17/07/14</a:t>
             </a:fld>
             <a:endParaRPr lang="de-DE"/>
           </a:p>
@@ -1328,7 +1328,7 @@
             <a:fld id="{CD66EB5A-4F37-441C-A97C-356D4BF20A1B}" type="datetimeFigureOut">
               <a:rPr lang="de-DE" smtClean="0"/>
               <a:pPr/>
-              <a:t>09/06/14</a:t>
+              <a:t>17/07/14</a:t>
             </a:fld>
             <a:endParaRPr lang="de-DE"/>
           </a:p>
@@ -1747,7 +1747,7 @@
             <a:fld id="{CD66EB5A-4F37-441C-A97C-356D4BF20A1B}" type="datetimeFigureOut">
               <a:rPr lang="de-DE" smtClean="0"/>
               <a:pPr/>
-              <a:t>09/06/14</a:t>
+              <a:t>17/07/14</a:t>
             </a:fld>
             <a:endParaRPr lang="de-DE"/>
           </a:p>
@@ -1862,7 +1862,7 @@
             <a:fld id="{CD66EB5A-4F37-441C-A97C-356D4BF20A1B}" type="datetimeFigureOut">
               <a:rPr lang="de-DE" smtClean="0"/>
               <a:pPr/>
-              <a:t>09/06/14</a:t>
+              <a:t>17/07/14</a:t>
             </a:fld>
             <a:endParaRPr lang="de-DE"/>
           </a:p>
@@ -1954,7 +1954,7 @@
             <a:fld id="{CD66EB5A-4F37-441C-A97C-356D4BF20A1B}" type="datetimeFigureOut">
               <a:rPr lang="de-DE" smtClean="0"/>
               <a:pPr/>
-              <a:t>09/06/14</a:t>
+              <a:t>17/07/14</a:t>
             </a:fld>
             <a:endParaRPr lang="de-DE"/>
           </a:p>
@@ -2228,7 +2228,7 @@
             <a:fld id="{CD66EB5A-4F37-441C-A97C-356D4BF20A1B}" type="datetimeFigureOut">
               <a:rPr lang="de-DE" smtClean="0"/>
               <a:pPr/>
-              <a:t>09/06/14</a:t>
+              <a:t>17/07/14</a:t>
             </a:fld>
             <a:endParaRPr lang="de-DE"/>
           </a:p>
@@ -2478,7 +2478,7 @@
             <a:fld id="{CD66EB5A-4F37-441C-A97C-356D4BF20A1B}" type="datetimeFigureOut">
               <a:rPr lang="de-DE" smtClean="0"/>
               <a:pPr/>
-              <a:t>09/06/14</a:t>
+              <a:t>17/07/14</a:t>
             </a:fld>
             <a:endParaRPr lang="de-DE"/>
           </a:p>
@@ -2688,7 +2688,7 @@
             <a:fld id="{CD66EB5A-4F37-441C-A97C-356D4BF20A1B}" type="datetimeFigureOut">
               <a:rPr lang="de-DE" smtClean="0"/>
               <a:pPr/>
-              <a:t>09/06/14</a:t>
+              <a:t>17/07/14</a:t>
             </a:fld>
             <a:endParaRPr lang="de-DE"/>
           </a:p>
@@ -3067,7 +3067,7 @@
         </p:nvSpPr>
         <p:spPr>
           <a:xfrm>
-            <a:off x="2699792" y="4221088"/>
+            <a:off x="2987824" y="2348880"/>
             <a:ext cx="3096344" cy="785818"/>
           </a:xfrm>
           <a:prstGeom prst="roundRect">
@@ -3135,7 +3135,7 @@
         </p:nvSpPr>
         <p:spPr>
           <a:xfrm>
-            <a:off x="2771800" y="5301208"/>
+            <a:off x="3275856" y="3429000"/>
             <a:ext cx="1008112" cy="1008112"/>
           </a:xfrm>
           <a:prstGeom prst="ellipse">
@@ -3195,7 +3195,7 @@
         </p:nvSpPr>
         <p:spPr>
           <a:xfrm>
-            <a:off x="4788024" y="5301208"/>
+            <a:off x="4860032" y="3429000"/>
             <a:ext cx="1000702" cy="1008112"/>
           </a:xfrm>
           <a:prstGeom prst="ellipse">
@@ -3255,7 +3255,7 @@
         </p:nvCxnSpPr>
         <p:spPr>
           <a:xfrm flipV="1">
-            <a:off x="3275856" y="5013176"/>
+            <a:off x="3779912" y="3140968"/>
             <a:ext cx="8929" cy="273212"/>
           </a:xfrm>
           <a:prstGeom prst="straightConnector1">
@@ -3292,7 +3292,7 @@
         </p:nvCxnSpPr>
         <p:spPr>
           <a:xfrm flipV="1">
-            <a:off x="5292080" y="5013176"/>
+            <a:off x="5364088" y="3140968"/>
             <a:ext cx="8929" cy="273212"/>
           </a:xfrm>
           <a:prstGeom prst="straightConnector1">
@@ -3330,25 +3330,25 @@
           <p:nvPr>
             <p:extLst>
               <p:ext uri="{D42A27DB-BD31-4B8C-83A1-F6EECF244321}">
-                <p14:modId xmlns:p14="http://schemas.microsoft.com/office/powerpoint/2010/main" val="2988284251"/>
+                <p14:modId xmlns:p14="http://schemas.microsoft.com/office/powerpoint/2010/main" val="2463164101"/>
               </p:ext>
             </p:extLst>
           </p:nvPr>
         </p:nvGraphicFramePr>
         <p:xfrm>
-          <a:off x="2894013" y="4659313"/>
-          <a:ext cx="2717800" cy="266700"/>
+          <a:off x="3473450" y="2787650"/>
+          <a:ext cx="2133600" cy="266700"/>
         </p:xfrm>
         <a:graphic>
           <a:graphicData uri="http://schemas.openxmlformats.org/presentationml/2006/ole">
             <mc:AlternateContent xmlns:mc="http://schemas.openxmlformats.org/markup-compatibility/2006">
               <mc:Choice xmlns:v="urn:schemas-microsoft-com:vml" Requires="v">
-                <p:oleObj spid="_x0000_s1064" name="Equation" r:id="rId3" imgW="2717800" imgH="266700" progId="Equation.3">
+                <p:oleObj spid="_x0000_s1077" name="Equation" r:id="rId3" imgW="2133600" imgH="266700" progId="Equation.3">
                   <p:embed/>
                 </p:oleObj>
               </mc:Choice>
               <mc:Fallback>
-                <p:oleObj name="Equation" r:id="rId3" imgW="2717800" imgH="266700" progId="Equation.3">
+                <p:oleObj name="Equation" r:id="rId3" imgW="2133600" imgH="266700" progId="Equation.3">
                   <p:embed/>
                   <p:pic>
                     <p:nvPicPr>
@@ -3364,8 +3364,8 @@
                     </p:blipFill>
                     <p:spPr>
                       <a:xfrm>
-                        <a:off x="2894013" y="4659313"/>
-                        <a:ext cx="2717800" cy="266700"/>
+                        <a:off x="3473450" y="2787650"/>
+                        <a:ext cx="2133600" cy="266700"/>
                       </a:xfrm>
                       <a:prstGeom prst="rect">
                         <a:avLst/>
@@ -3387,20 +3387,20 @@
           <p:nvPr>
             <p:extLst>
               <p:ext uri="{D42A27DB-BD31-4B8C-83A1-F6EECF244321}">
-                <p14:modId xmlns:p14="http://schemas.microsoft.com/office/powerpoint/2010/main" val="268731533"/>
+                <p14:modId xmlns:p14="http://schemas.microsoft.com/office/powerpoint/2010/main" val="2124036998"/>
               </p:ext>
             </p:extLst>
           </p:nvPr>
         </p:nvGraphicFramePr>
         <p:xfrm>
-          <a:off x="2892425" y="6315075"/>
+          <a:off x="3396481" y="4442867"/>
           <a:ext cx="685800" cy="266700"/>
         </p:xfrm>
         <a:graphic>
           <a:graphicData uri="http://schemas.openxmlformats.org/presentationml/2006/ole">
             <mc:AlternateContent xmlns:mc="http://schemas.openxmlformats.org/markup-compatibility/2006">
               <mc:Choice xmlns:v="urn:schemas-microsoft-com:vml" Requires="v">
-                <p:oleObj spid="_x0000_s1065" name="Equation" r:id="rId5" imgW="685800" imgH="266700" progId="Equation.3">
+                <p:oleObj spid="_x0000_s1078" name="Equation" r:id="rId5" imgW="685800" imgH="266700" progId="Equation.3">
                   <p:embed/>
                 </p:oleObj>
               </mc:Choice>
@@ -3421,7 +3421,7 @@
                     </p:blipFill>
                     <p:spPr>
                       <a:xfrm>
-                        <a:off x="2892425" y="6315075"/>
+                        <a:off x="3396481" y="4442867"/>
                         <a:ext cx="685800" cy="266700"/>
                       </a:xfrm>
                       <a:prstGeom prst="rect">
@@ -3444,25 +3444,25 @@
           <p:nvPr>
             <p:extLst>
               <p:ext uri="{D42A27DB-BD31-4B8C-83A1-F6EECF244321}">
-                <p14:modId xmlns:p14="http://schemas.microsoft.com/office/powerpoint/2010/main" val="1572426566"/>
+                <p14:modId xmlns:p14="http://schemas.microsoft.com/office/powerpoint/2010/main" val="2052190749"/>
               </p:ext>
             </p:extLst>
           </p:nvPr>
         </p:nvGraphicFramePr>
         <p:xfrm>
-          <a:off x="4139952" y="6309320"/>
-          <a:ext cx="2120900" cy="279400"/>
+          <a:off x="4503614" y="4437063"/>
+          <a:ext cx="1536700" cy="279400"/>
         </p:xfrm>
         <a:graphic>
           <a:graphicData uri="http://schemas.openxmlformats.org/presentationml/2006/ole">
             <mc:AlternateContent xmlns:mc="http://schemas.openxmlformats.org/markup-compatibility/2006">
               <mc:Choice xmlns:v="urn:schemas-microsoft-com:vml" Requires="v">
-                <p:oleObj spid="_x0000_s1066" name="Equation" r:id="rId7" imgW="2120900" imgH="279400" progId="Equation.3">
+                <p:oleObj spid="_x0000_s1079" name="Equation" r:id="rId7" imgW="1536700" imgH="279400" progId="Equation.3">
                   <p:embed/>
                 </p:oleObj>
               </mc:Choice>
               <mc:Fallback>
-                <p:oleObj name="Equation" r:id="rId7" imgW="2120900" imgH="279400" progId="Equation.3">
+                <p:oleObj name="Equation" r:id="rId7" imgW="1536700" imgH="279400" progId="Equation.3">
                   <p:embed/>
                   <p:pic>
                     <p:nvPicPr>
@@ -3478,8 +3478,8 @@
                     </p:blipFill>
                     <p:spPr>
                       <a:xfrm>
-                        <a:off x="4139952" y="6309320"/>
-                        <a:ext cx="2120900" cy="279400"/>
+                        <a:off x="4503614" y="4437063"/>
+                        <a:ext cx="1536700" cy="279400"/>
                       </a:xfrm>
                       <a:prstGeom prst="rect">
                         <a:avLst/>
